--- a/print/lesson_63_precal.pptx
+++ b/print/lesson_63_precal.pptx
@@ -661,7 +661,7 @@
       </p:grpSpPr>
       <p:sp>
         <p:nvSpPr>
-          <p:cNvPr id="185" name="Shape 185"/>
+          <p:cNvPr id="179" name="Shape 179"/>
           <p:cNvSpPr/>
           <p:nvPr>
             <p:ph type="sldImg"/>
@@ -682,7 +682,7 @@
       </p:sp>
       <p:sp>
         <p:nvSpPr>
-          <p:cNvPr id="186" name="Shape 186"/>
+          <p:cNvPr id="180" name="Shape 180"/>
           <p:cNvSpPr/>
           <p:nvPr>
             <p:ph type="body" sz="quarter" idx="1"/>
@@ -699,25 +699,7 @@
           <a:p>
             <a:pPr/>
             <a:r>
-              <a:t>See answer key </a:t>
-            </a:r>
-          </a:p>
-          <a:p>
-            <a:pPr/>
-            <a:r>
-              <a:t>+hdw rewrite in standard form? Factor out-0.08, then it’s the same strategy as normal </a:t>
-            </a:r>
-          </a:p>
-          <a:p>
-            <a:pPr/>
-            <a:r>
-              <a:t>+hdw know this graph will be a frowns face? It’s what the path of a football should look like. Also when we rewrite in standard form the coefficient is -.</a:t>
-            </a:r>
-          </a:p>
-          <a:p>
-            <a:pPr/>
-            <a:r>
-              <a:t>+how do you tell from a sketch the highest point? It’s the vertex </a:t>
+              <a:t>Make sure your glosary is updated with the vocabulary!</a:t>
             </a:r>
           </a:p>
         </p:txBody>
@@ -749,7 +731,7 @@
       </p:grpSpPr>
       <p:sp>
         <p:nvSpPr>
-          <p:cNvPr id="191" name="Shape 191"/>
+          <p:cNvPr id="188" name="Shape 188"/>
           <p:cNvSpPr/>
           <p:nvPr>
             <p:ph type="sldImg"/>
@@ -770,7 +752,7 @@
       </p:sp>
       <p:sp>
         <p:nvSpPr>
-          <p:cNvPr id="192" name="Shape 192"/>
+          <p:cNvPr id="189" name="Shape 189"/>
           <p:cNvSpPr/>
           <p:nvPr>
             <p:ph type="body" sz="quarter" idx="1"/>
@@ -787,40 +769,25 @@
           <a:p>
             <a:pPr/>
             <a:r>
-              <a:t>-0.5x **2 +x -17.5 =</a:t>
+              <a:t>See answer key </a:t>
             </a:r>
           </a:p>
           <a:p>
             <a:pPr/>
             <a:r>
-              <a:t>-0.5[ x**2 -2x-35] =</a:t>
+              <a:t>+hdw rewrite in standard form? Factor out-0.08, then it’s the same strategy as normal </a:t>
             </a:r>
           </a:p>
           <a:p>
             <a:pPr/>
             <a:r>
-              <a:t>-0.5 (+5)(x-7)</a:t>
+              <a:t>+hdw know this graph will be a frowns face? It’s what the path of a football should look like. Also when we rewrite in standard form the coefficient is -.</a:t>
             </a:r>
           </a:p>
           <a:p>
             <a:pPr/>
             <a:r>
-              <a:t>The diver lands in the water 7 ft from the diving board</a:t>
-            </a:r>
-          </a:p>
-          <a:p>
-            <a:pPr marL="140368" indent="-140368">
-              <a:buSzPct val="100000"/>
-              <a:buChar char="+"/>
-            </a:pPr>
-            <a:r>
-              <a:t>ho w can you use q graph to solve this problem? A graph helps us see that we ave looking for the x- ints.</a:t>
-            </a:r>
-          </a:p>
-          <a:p>
-            <a:pPr/>
-            <a:r>
-              <a:t>+ when you review your work how can you tell if your answer is sensible? It should be positive! And not too big.</a:t>
+              <a:t>+how do you tell from a sketch the highest point? It’s the vertex </a:t>
             </a:r>
           </a:p>
         </p:txBody>
@@ -852,7 +819,7 @@
       </p:grpSpPr>
       <p:sp>
         <p:nvSpPr>
-          <p:cNvPr id="197" name="Shape 197"/>
+          <p:cNvPr id="194" name="Shape 194"/>
           <p:cNvSpPr/>
           <p:nvPr>
             <p:ph type="sldImg"/>
@@ -873,7 +840,7 @@
       </p:sp>
       <p:sp>
         <p:nvSpPr>
-          <p:cNvPr id="198" name="Shape 198"/>
+          <p:cNvPr id="195" name="Shape 195"/>
           <p:cNvSpPr/>
           <p:nvPr>
             <p:ph type="body" sz="quarter" idx="1"/>
@@ -890,20 +857,26 @@
           <a:p>
             <a:pPr/>
             <a:r>
-              <a:t>3. = x(x^2 -x -2) = x(x+1)(x-2)</a:t>
+              <a:t>-0.5x **2 +x -17.5 =</a:t>
             </a:r>
           </a:p>
           <a:p>
             <a:pPr/>
+            <a:r>
+              <a:t>-0.5[ x**2 -2x-35] =</a:t>
+            </a:r>
           </a:p>
           <a:p>
             <a:pPr/>
             <a:r>
-              <a:t>4g(x) = 3x^3 + 3xt^2 − 18x. = 3x(x^2+ x  - 6)  = 3x(x+3)(x-2</a:t>
+              <a:t>-0.5 (+5)(x-7)</a:t>
             </a:r>
           </a:p>
           <a:p>
             <a:pPr/>
+            <a:r>
+              <a:t>The diver lands in the water 7 ft from the diving board</a:t>
+            </a:r>
           </a:p>
           <a:p>
             <a:pPr marL="140368" indent="-140368">
@@ -911,7 +884,13 @@
               <a:buChar char="+"/>
             </a:pPr>
             <a:r>
-              <a:t>hdw we trans form this into a problem we understand? Factor out the x</a:t>
+              <a:t>ho w can you use q graph to solve this problem? A graph helps us see that we ave looking for the x- ints.</a:t>
+            </a:r>
+          </a:p>
+          <a:p>
+            <a:pPr/>
+            <a:r>
+              <a:t>+ when you review your work how can you tell if your answer is sensible? It should be positive! And not too big.</a:t>
             </a:r>
           </a:p>
         </p:txBody>
@@ -943,7 +922,7 @@
       </p:grpSpPr>
       <p:sp>
         <p:nvSpPr>
-          <p:cNvPr id="203" name="Shape 203"/>
+          <p:cNvPr id="200" name="Shape 200"/>
           <p:cNvSpPr/>
           <p:nvPr>
             <p:ph type="sldImg"/>
@@ -964,7 +943,98 @@
       </p:sp>
       <p:sp>
         <p:nvSpPr>
-          <p:cNvPr id="204" name="Shape 204"/>
+          <p:cNvPr id="201" name="Shape 201"/>
+          <p:cNvSpPr/>
+          <p:nvPr>
+            <p:ph type="body" sz="quarter" idx="1"/>
+          </p:nvPr>
+        </p:nvSpPr>
+        <p:spPr>
+          <a:prstGeom prst="rect">
+            <a:avLst/>
+          </a:prstGeom>
+        </p:spPr>
+        <p:txBody>
+          <a:bodyPr/>
+          <a:lstStyle/>
+          <a:p>
+            <a:pPr/>
+            <a:r>
+              <a:t>3. = x(x^2 -x -2) = x(x+1)(x-2)</a:t>
+            </a:r>
+          </a:p>
+          <a:p>
+            <a:pPr/>
+          </a:p>
+          <a:p>
+            <a:pPr/>
+            <a:r>
+              <a:t>4g(x) = 3x^3 + 3xt^2 − 18x. = 3x(x^2+ x  - 6)  = 3x(x+3)(x-2</a:t>
+            </a:r>
+          </a:p>
+          <a:p>
+            <a:pPr/>
+          </a:p>
+          <a:p>
+            <a:pPr marL="140368" indent="-140368">
+              <a:buSzPct val="100000"/>
+              <a:buChar char="+"/>
+            </a:pPr>
+            <a:r>
+              <a:t>hdw we trans form this into a problem we understand? Factor out the x</a:t>
+            </a:r>
+          </a:p>
+        </p:txBody>
+      </p:sp>
+    </p:spTree>
+  </p:cSld>
+  <p:clrMapOvr>
+    <a:masterClrMapping/>
+  </p:clrMapOvr>
+</p:notes>
+</file>
+
+<file path=ppt/notesSlides/notesSlide7.xml><?xml version="1.0" encoding="utf-8"?>
+<p:notes xmlns:a="http://schemas.openxmlformats.org/drawingml/2006/main" xmlns:r="http://schemas.openxmlformats.org/officeDocument/2006/relationships" xmlns:p="http://schemas.openxmlformats.org/presentationml/2006/main" xmlns:m="http://schemas.openxmlformats.org/officeDocument/2006/math" xmlns:a14="http://schemas.microsoft.com/office/drawing/2010/main" showMasterSp="1" showMasterPhAnim="1">
+  <p:cSld>
+    <p:spTree>
+      <p:nvGrpSpPr>
+        <p:cNvPr id="1" name=""/>
+        <p:cNvGrpSpPr/>
+        <p:nvPr/>
+      </p:nvGrpSpPr>
+      <p:grpSpPr>
+        <a:xfrm>
+          <a:off x="0" y="0"/>
+          <a:ext cx="0" cy="0"/>
+          <a:chOff x="0" y="0"/>
+          <a:chExt cx="0" cy="0"/>
+        </a:xfrm>
+      </p:grpSpPr>
+      <p:sp>
+        <p:nvSpPr>
+          <p:cNvPr id="206" name="Shape 206"/>
+          <p:cNvSpPr/>
+          <p:nvPr>
+            <p:ph type="sldImg"/>
+          </p:nvPr>
+        </p:nvSpPr>
+        <p:spPr>
+          <a:prstGeom prst="rect">
+            <a:avLst/>
+          </a:prstGeom>
+        </p:spPr>
+        <p:txBody>
+          <a:bodyPr/>
+          <a:lstStyle/>
+          <a:p>
+            <a:pPr/>
+          </a:p>
+        </p:txBody>
+      </p:sp>
+      <p:sp>
+        <p:nvSpPr>
+          <p:cNvPr id="207" name="Shape 207"/>
           <p:cNvSpPr/>
           <p:nvPr>
             <p:ph type="body" sz="quarter" idx="1"/>
@@ -5929,6 +5999,10 @@
           </p:nvPr>
         </p:nvSpPr>
         <p:spPr>
+          <a:xfrm>
+            <a:off x="1411199" y="487781"/>
+            <a:ext cx="6321602" cy="635402"/>
+          </a:xfrm>
           <a:prstGeom prst="rect">
             <a:avLst/>
           </a:prstGeom>
@@ -5980,8 +6054,8 @@
           </a:bodyPr>
           <a:lstStyle/>
           <a:p>
-            <a:pPr>
-              <a:defRPr b="1">
+            <a:pPr defTabSz="868680">
+              <a:defRPr b="1" sz="1330">
                 <a:solidFill>
                   <a:srgbClr val="000000"/>
                 </a:solidFill>
@@ -5992,8 +6066,8 @@
             </a:r>
           </a:p>
           <a:p>
-            <a:pPr>
-              <a:defRPr>
+            <a:pPr defTabSz="868680">
+              <a:defRPr sz="1330">
                 <a:solidFill>
                   <a:srgbClr val="000000"/>
                 </a:solidFill>
@@ -6016,8 +6090,8 @@
             <a:endParaRPr b="1"/>
           </a:p>
           <a:p>
-            <a:pPr>
-              <a:defRPr>
+            <a:pPr defTabSz="868680">
+              <a:defRPr sz="1330">
                 <a:solidFill>
                   <a:srgbClr val="000000"/>
                 </a:solidFill>
@@ -6025,66 +6099,80 @@
             </a:pPr>
           </a:p>
           <a:p>
-            <a:pPr marL="233947" indent="-233947">
+            <a:pPr marL="222250" indent="-222250" defTabSz="868680">
               <a:buSzPct val="100000"/>
               <a:buAutoNum type="alphaUcPeriod" startAt="1"/>
-              <a:defRPr>
+              <a:defRPr sz="1330">
                 <a:solidFill>
                   <a:srgbClr val="000000"/>
                 </a:solidFill>
               </a:defRPr>
             </a:pPr>
             <a:r>
-              <a:t>Work on each problem. Show all work and answer any questions in a complete sentence.</a:t>
-            </a:r>
-          </a:p>
-          <a:p>
-            <a:pPr marL="233947" indent="-233947">
+              <a:t>Make sure your </a:t>
+            </a:r>
+            <a:r>
+              <a:rPr b="1"/>
+              <a:t>glossary </a:t>
+            </a:r>
+            <a:r>
+              <a:t>is updated w/ vocab.</a:t>
+            </a:r>
+          </a:p>
+          <a:p>
+            <a:pPr marL="222250" indent="-222250" defTabSz="868680">
               <a:buSzPct val="100000"/>
               <a:buAutoNum type="alphaUcPeriod" startAt="1"/>
-              <a:defRPr u="sng">
+              <a:defRPr sz="1330">
                 <a:solidFill>
                   <a:srgbClr val="000000"/>
                 </a:solidFill>
               </a:defRPr>
             </a:pPr>
             <a:r>
-              <a:t>Stay together</a:t>
-            </a:r>
-            <a:r>
-              <a:rPr u="none"/>
-              <a:t>! Do not move on to the next problem until everyone in your group agrees on an answer.</a:t>
-            </a:r>
-            <a:endParaRPr u="none"/>
-          </a:p>
-          <a:p>
-            <a:pPr marL="233947" indent="-233947">
+              <a:t>Work on each problem. Show all work and answer any questions in a complete sentence.</a:t>
+            </a:r>
+          </a:p>
+          <a:p>
+            <a:pPr marL="222250" indent="-222250" defTabSz="868680">
               <a:buSzPct val="100000"/>
               <a:buAutoNum type="alphaUcPeriod" startAt="1"/>
-              <a:defRPr u="sng">
+              <a:defRPr sz="1330" u="sng">
                 <a:solidFill>
                   <a:srgbClr val="000000"/>
                 </a:solidFill>
               </a:defRPr>
             </a:pPr>
             <a:r>
+              <a:t>Stay together</a:t>
+            </a:r>
+            <a:r>
               <a:rPr u="none"/>
-              <a:t>After you finish a section, ask for the </a:t>
-            </a:r>
-            <a:r>
-              <a:t>section answer key</a:t>
-            </a:r>
-            <a:r>
-              <a:rPr u="none"/>
-              <a:t>.  </a:t>
+              <a:t>! Do not move on to the next problem until everyone in your group agrees on an answer.</a:t>
             </a:r>
             <a:endParaRPr u="none"/>
           </a:p>
           <a:p>
-            <a:pPr marL="233947" indent="-233947">
+            <a:pPr marL="222250" indent="-222250" defTabSz="868680">
               <a:buSzPct val="100000"/>
               <a:buAutoNum type="alphaUcPeriod" startAt="1"/>
-              <a:defRPr u="sng">
+              <a:defRPr sz="1330" u="sng">
+                <a:solidFill>
+                  <a:srgbClr val="000000"/>
+                </a:solidFill>
+              </a:defRPr>
+            </a:pPr>
+            <a:r>
+              <a:rPr u="none"/>
+              <a:t>After you finish a section, ask Dr. O’Brien if your answer looks right.</a:t>
+            </a:r>
+            <a:endParaRPr u="none"/>
+          </a:p>
+          <a:p>
+            <a:pPr marL="222250" indent="-222250" defTabSz="868680">
+              <a:buSzPct val="100000"/>
+              <a:buAutoNum type="alphaUcPeriod" startAt="1"/>
+              <a:defRPr sz="1330" u="sng">
                 <a:solidFill>
                   <a:srgbClr val="000000"/>
                 </a:solidFill>
@@ -6105,10 +6193,10 @@
         </p:nvGrpSpPr>
         <p:grpSpPr>
           <a:xfrm>
-            <a:off x="5028954" y="1351641"/>
-            <a:ext cx="3554097" cy="3150376"/>
+            <a:off x="5711722" y="2341113"/>
+            <a:ext cx="2833871" cy="2201428"/>
             <a:chOff x="0" y="0"/>
-            <a:chExt cx="3554095" cy="3150375"/>
+            <a:chExt cx="2833870" cy="2201426"/>
           </a:xfrm>
         </p:grpSpPr>
         <p:sp>
@@ -6120,7 +6208,7 @@
           <p:spPr>
             <a:xfrm>
               <a:off x="25400" y="25400"/>
-              <a:ext cx="3503296" cy="3099576"/>
+              <a:ext cx="2783071" cy="2150627"/>
             </a:xfrm>
             <a:prstGeom prst="rect">
               <a:avLst/>
@@ -6142,8 +6230,8 @@
             </a:bodyPr>
             <a:lstStyle/>
             <a:p>
-              <a:pPr defTabSz="621791">
-                <a:defRPr b="1" sz="1156">
+              <a:pPr defTabSz="448055">
+                <a:defRPr b="1" sz="833">
                   <a:solidFill>
                     <a:srgbClr val="000000"/>
                   </a:solidFill>
@@ -6154,10 +6242,10 @@
               </a:r>
             </a:p>
             <a:p>
-              <a:pPr marL="127267" indent="-127267" defTabSz="621791">
+              <a:pPr marL="91707" indent="-91707" defTabSz="448055">
                 <a:buSzPct val="100000"/>
                 <a:buAutoNum type="arabicPeriod" startAt="1"/>
-                <a:defRPr sz="1156">
+                <a:defRPr sz="833">
                   <a:solidFill>
                     <a:srgbClr val="000000"/>
                   </a:solidFill>
@@ -6168,10 +6256,10 @@
               </a:r>
             </a:p>
             <a:p>
-              <a:pPr lvl="1" marL="472707" indent="-127267" defTabSz="621791">
+              <a:pPr lvl="1" marL="340627" indent="-91707" defTabSz="448055">
                 <a:buSzPct val="100000"/>
                 <a:buAutoNum type="alphaLcPeriod" startAt="1"/>
-                <a:defRPr sz="1156">
+                <a:defRPr sz="833">
                   <a:solidFill>
                     <a:srgbClr val="000000"/>
                   </a:solidFill>
@@ -6182,10 +6270,10 @@
               </a:r>
             </a:p>
             <a:p>
-              <a:pPr lvl="1" marL="472707" indent="-127267" defTabSz="621791">
+              <a:pPr lvl="1" marL="340627" indent="-91707" defTabSz="448055">
                 <a:buSzPct val="100000"/>
                 <a:buAutoNum type="alphaLcPeriod" startAt="1"/>
-                <a:defRPr sz="1156">
+                <a:defRPr sz="833">
                   <a:solidFill>
                     <a:srgbClr val="000000"/>
                   </a:solidFill>
@@ -6196,10 +6284,10 @@
               </a:r>
             </a:p>
             <a:p>
-              <a:pPr marL="127267" indent="-127267" defTabSz="621791">
+              <a:pPr marL="91707" indent="-91707" defTabSz="448055">
                 <a:buSzPct val="100000"/>
                 <a:buAutoNum type="arabicPeriod" startAt="1"/>
-                <a:defRPr sz="1156">
+                <a:defRPr sz="833">
                   <a:solidFill>
                     <a:srgbClr val="000000"/>
                   </a:solidFill>
@@ -6210,10 +6298,10 @@
               </a:r>
             </a:p>
             <a:p>
-              <a:pPr lvl="1" marL="472707" indent="-127267" defTabSz="621791">
+              <a:pPr lvl="1" marL="340627" indent="-91707" defTabSz="448055">
                 <a:buSzPct val="100000"/>
                 <a:buAutoNum type="alphaLcPeriod" startAt="1"/>
-                <a:defRPr sz="1156">
+                <a:defRPr sz="833">
                   <a:solidFill>
                     <a:srgbClr val="000000"/>
                   </a:solidFill>
@@ -6224,10 +6312,10 @@
               </a:r>
             </a:p>
             <a:p>
-              <a:pPr lvl="1" marL="472707" indent="-127267" defTabSz="621791">
+              <a:pPr lvl="1" marL="340627" indent="-91707" defTabSz="448055">
                 <a:buSzPct val="100000"/>
                 <a:buAutoNum type="alphaLcPeriod" startAt="1"/>
-                <a:defRPr sz="1156">
+                <a:defRPr sz="833">
                   <a:solidFill>
                     <a:srgbClr val="000000"/>
                   </a:solidFill>
@@ -6238,10 +6326,10 @@
               </a:r>
             </a:p>
             <a:p>
-              <a:pPr marL="127267" indent="-127267" defTabSz="621791">
+              <a:pPr marL="91707" indent="-91707" defTabSz="448055">
                 <a:buSzPct val="100000"/>
                 <a:buAutoNum type="arabicPeriod" startAt="1"/>
-                <a:defRPr sz="1156">
+                <a:defRPr sz="833">
                   <a:solidFill>
                     <a:srgbClr val="000000"/>
                   </a:solidFill>
@@ -6252,10 +6340,10 @@
               </a:r>
             </a:p>
             <a:p>
-              <a:pPr lvl="1" marL="472707" indent="-127267" defTabSz="621791">
+              <a:pPr lvl="1" marL="340627" indent="-91707" defTabSz="448055">
                 <a:buSzPct val="100000"/>
                 <a:buAutoNum type="alphaLcPeriod" startAt="1"/>
-                <a:defRPr sz="1156">
+                <a:defRPr sz="833">
                   <a:solidFill>
                     <a:srgbClr val="000000"/>
                   </a:solidFill>
@@ -6266,10 +6354,10 @@
               </a:r>
             </a:p>
             <a:p>
-              <a:pPr marL="127267" indent="-127267" defTabSz="621791">
+              <a:pPr marL="91707" indent="-91707" defTabSz="448055">
                 <a:buSzPct val="100000"/>
                 <a:buAutoNum type="arabicPeriod" startAt="1"/>
-                <a:defRPr sz="1156">
+                <a:defRPr sz="833">
                   <a:solidFill>
                     <a:srgbClr val="000000"/>
                   </a:solidFill>
@@ -6280,10 +6368,10 @@
               </a:r>
             </a:p>
             <a:p>
-              <a:pPr lvl="1" marL="472707" indent="-127267" defTabSz="621791">
+              <a:pPr lvl="1" marL="340627" indent="-91707" defTabSz="448055">
                 <a:buSzPct val="100000"/>
                 <a:buAutoNum type="alphaLcPeriod" startAt="1"/>
-                <a:defRPr sz="1156">
+                <a:defRPr sz="833">
                   <a:solidFill>
                     <a:srgbClr val="000000"/>
                   </a:solidFill>
@@ -6294,10 +6382,10 @@
               </a:r>
             </a:p>
             <a:p>
-              <a:pPr lvl="1" marL="472707" indent="-127267" defTabSz="621791">
+              <a:pPr lvl="1" marL="340627" indent="-91707" defTabSz="448055">
                 <a:buSzPct val="100000"/>
                 <a:buAutoNum type="alphaLcPeriod" startAt="1"/>
-                <a:defRPr sz="1156">
+                <a:defRPr sz="833">
                   <a:solidFill>
                     <a:srgbClr val="000000"/>
                   </a:solidFill>
@@ -6318,7 +6406,7 @@
             <p:nvPr/>
           </p:nvPicPr>
           <p:blipFill>
-            <a:blip r:embed="rId2">
+            <a:blip r:embed="rId3">
               <a:extLst/>
             </a:blip>
             <a:stretch>
@@ -6328,7 +6416,7 @@
           <p:spPr>
             <a:xfrm>
               <a:off x="0" y="0"/>
-              <a:ext cx="3554096" cy="3150376"/>
+              <a:ext cx="2833871" cy="2201427"/>
             </a:xfrm>
             <a:prstGeom prst="rect">
               <a:avLst/>
@@ -6337,6 +6425,180 @@
           </p:spPr>
         </p:pic>
       </p:grpSp>
+      <p:sp>
+        <p:nvSpPr>
+          <p:cNvPr id="178" name="Vocabulary:…"/>
+          <p:cNvSpPr txBox="1"/>
+          <p:nvPr>
+            <p:ph type="body" sz="quarter" idx="1"/>
+          </p:nvPr>
+        </p:nvSpPr>
+        <p:spPr>
+          <a:xfrm>
+            <a:off x="5711722" y="585266"/>
+            <a:ext cx="2833871" cy="1353525"/>
+          </a:xfrm>
+          <a:prstGeom prst="rect">
+            <a:avLst/>
+          </a:prstGeom>
+          <a:ln w="9525">
+            <a:round/>
+          </a:ln>
+        </p:spPr>
+        <p:txBody>
+          <a:bodyPr/>
+          <a:lstStyle/>
+          <a:p>
+            <a:pPr marL="112013" indent="-112013" defTabSz="448055">
+              <a:lnSpc>
+                <a:spcPct val="100000"/>
+              </a:lnSpc>
+              <a:buClrTx/>
+              <a:buSzTx/>
+              <a:buFontTx/>
+              <a:buNone/>
+              <a:defRPr b="1" sz="1029">
+                <a:solidFill>
+                  <a:schemeClr val="accent5"/>
+                </a:solidFill>
+              </a:defRPr>
+            </a:pPr>
+            <a:r>
+              <a:t>Vocabulary:</a:t>
+            </a:r>
+          </a:p>
+          <a:p>
+            <a:pPr marL="103170" indent="-103170" defTabSz="448055">
+              <a:lnSpc>
+                <a:spcPct val="100000"/>
+              </a:lnSpc>
+              <a:buClrTx/>
+              <a:buSzPct val="100000"/>
+              <a:buFontTx/>
+              <a:buChar char="•"/>
+              <a:defRPr b="1" sz="1029"/>
+            </a:pPr>
+            <a:r>
+              <a:t>Vertex: </a:t>
+            </a:r>
+            <a:r>
+              <a:rPr b="0"/>
+              <a:t>Minimum or maximum point of a quadratic function</a:t>
+            </a:r>
+            <a:endParaRPr b="0"/>
+          </a:p>
+          <a:p>
+            <a:pPr marL="103170" indent="-103170" defTabSz="448055">
+              <a:lnSpc>
+                <a:spcPct val="100000"/>
+              </a:lnSpc>
+              <a:buClrTx/>
+              <a:buSzPct val="100000"/>
+              <a:buFontTx/>
+              <a:buChar char="•"/>
+              <a:defRPr b="1" sz="1029"/>
+            </a:pPr>
+            <a:r>
+              <a:t>Parabola: </a:t>
+            </a:r>
+            <a:r>
+              <a:rPr b="0"/>
+              <a:t>The curve formed by the graph for a quadratic function.</a:t>
+            </a:r>
+            <a:endParaRPr b="0"/>
+          </a:p>
+          <a:p>
+            <a:pPr marL="103170" indent="-103170" defTabSz="448055">
+              <a:lnSpc>
+                <a:spcPct val="100000"/>
+              </a:lnSpc>
+              <a:buClrTx/>
+              <a:buSzPct val="100000"/>
+              <a:buFontTx/>
+              <a:buChar char="•"/>
+              <a:defRPr b="1" sz="1029"/>
+            </a:pPr>
+            <a:r>
+              <a:t>Root of a polynomial: </a:t>
+            </a:r>
+            <a:r>
+              <a:rPr b="0"/>
+              <a:t>number </a:t>
+            </a:r>
+            <a:r>
+              <a:rPr b="0" i="1"/>
+              <a:t>x </a:t>
+            </a:r>
+            <a:r>
+              <a:rPr b="0"/>
+              <a:t>which makes </a:t>
+            </a:r>
+            <a14:m>
+              <m:oMath>
+                <m:r>
+                  <a:rPr xmlns:a="http://schemas.openxmlformats.org/drawingml/2006/main" sz="1200" i="1">
+                    <a:solidFill>
+                      <a:srgbClr val="000000"/>
+                    </a:solidFill>
+                    <a:latin typeface="Cambria Math" panose="02040503050406030204" pitchFamily="18" charset="0"/>
+                  </a:rPr>
+                  <m:t>f</m:t>
+                </m:r>
+                <m:r>
+                  <a:rPr xmlns:a="http://schemas.openxmlformats.org/drawingml/2006/main" sz="1200" i="1">
+                    <a:solidFill>
+                      <a:srgbClr val="000000"/>
+                    </a:solidFill>
+                    <a:latin typeface="Cambria Math" panose="02040503050406030204" pitchFamily="18" charset="0"/>
+                  </a:rPr>
+                  <m:t>(</m:t>
+                </m:r>
+                <m:r>
+                  <a:rPr xmlns:a="http://schemas.openxmlformats.org/drawingml/2006/main" sz="1200" i="1">
+                    <a:solidFill>
+                      <a:srgbClr val="000000"/>
+                    </a:solidFill>
+                    <a:latin typeface="Cambria Math" panose="02040503050406030204" pitchFamily="18" charset="0"/>
+                  </a:rPr>
+                  <m:t>x</m:t>
+                </m:r>
+                <m:r>
+                  <a:rPr xmlns:a="http://schemas.openxmlformats.org/drawingml/2006/main" sz="1200" i="1">
+                    <a:solidFill>
+                      <a:srgbClr val="000000"/>
+                    </a:solidFill>
+                    <a:latin typeface="Cambria Math" panose="02040503050406030204" pitchFamily="18" charset="0"/>
+                  </a:rPr>
+                  <m:t>)</m:t>
+                </m:r>
+                <m:r>
+                  <a:rPr xmlns:a="http://schemas.openxmlformats.org/drawingml/2006/main" sz="1200" i="1">
+                    <a:solidFill>
+                      <a:srgbClr val="000000"/>
+                    </a:solidFill>
+                    <a:latin typeface="Cambria Math" panose="02040503050406030204" pitchFamily="18" charset="0"/>
+                  </a:rPr>
+                  <m:t>=</m:t>
+                </m:r>
+                <m:r>
+                  <a:rPr xmlns:a="http://schemas.openxmlformats.org/drawingml/2006/main" sz="1200" i="1">
+                    <a:solidFill>
+                      <a:srgbClr val="000000"/>
+                    </a:solidFill>
+                    <a:latin typeface="Cambria Math" panose="02040503050406030204" pitchFamily="18" charset="0"/>
+                  </a:rPr>
+                  <m:t>0</m:t>
+                </m:r>
+              </m:oMath>
+            </a14:m>
+            <a:r>
+              <a:rPr b="0"/>
+              <a:t>.</a:t>
+            </a:r>
+            <a:endParaRPr sz="2100"/>
+          </a:p>
+        </p:txBody>
+      </p:sp>
     </p:spTree>
   </p:cSld>
   <p:clrMapOvr>
@@ -6728,7 +6990,7 @@
                             </p:stCondLst>
                             <p:childTnLst>
                               <p:par>
-                                <p:cTn id="35" presetClass="entr" nodeType="clickEffect" presetSubtype="0" presetID="1" grpId="2" fill="hold">
+                                <p:cTn id="35" presetClass="entr" nodeType="clickEffect" presetSubtype="0" presetID="1" grpId="1" fill="hold">
                                   <p:stCondLst>
                                     <p:cond delay="0"/>
                                   </p:stCondLst>
@@ -6739,6 +7001,54 @@
                                     <p:set>
                                       <p:cBhvr>
                                         <p:cTn id="36" fill="hold"/>
+                                        <p:tgtEl>
+                                          <p:spTgt spid="174">
+                                            <p:txEl>
+                                              <p:pRg st="7" end="7"/>
+                                            </p:txEl>
+                                          </p:spTgt>
+                                        </p:tgtEl>
+                                        <p:attrNameLst>
+                                          <p:attrName>style.visibility</p:attrName>
+                                        </p:attrNameLst>
+                                      </p:cBhvr>
+                                      <p:to>
+                                        <p:strVal val="visible"/>
+                                      </p:to>
+                                    </p:set>
+                                  </p:childTnLst>
+                                </p:cTn>
+                              </p:par>
+                            </p:childTnLst>
+                          </p:cTn>
+                        </p:par>
+                      </p:childTnLst>
+                    </p:cTn>
+                  </p:par>
+                  <p:par>
+                    <p:cTn id="37" fill="hold">
+                      <p:stCondLst>
+                        <p:cond delay="indefinite"/>
+                      </p:stCondLst>
+                      <p:childTnLst>
+                        <p:par>
+                          <p:cTn id="38" fill="hold">
+                            <p:stCondLst>
+                              <p:cond delay="0"/>
+                            </p:stCondLst>
+                            <p:childTnLst>
+                              <p:par>
+                                <p:cTn id="39" presetClass="entr" nodeType="clickEffect" presetSubtype="0" presetID="1" grpId="2" fill="hold">
+                                  <p:stCondLst>
+                                    <p:cond delay="0"/>
+                                  </p:stCondLst>
+                                  <p:iterate type="el" backwards="0">
+                                    <p:tmAbs val="0"/>
+                                  </p:iterate>
+                                  <p:childTnLst>
+                                    <p:set>
+                                      <p:cBhvr>
+                                        <p:cTn id="40" fill="hold"/>
                                         <p:tgtEl>
                                           <p:spTgt spid="177"/>
                                         </p:tgtEl>
@@ -6807,7 +7117,7 @@
       </p:grpSpPr>
       <p:sp>
         <p:nvSpPr>
-          <p:cNvPr id="179" name="Vocabulary"/>
+          <p:cNvPr id="182" name="Vocabulary"/>
           <p:cNvSpPr txBox="1"/>
           <p:nvPr>
             <p:ph type="title"/>
@@ -6835,7 +7145,7 @@
       </p:sp>
       <p:sp>
         <p:nvSpPr>
-          <p:cNvPr id="180" name="Vertex: Minimum or maximum point of a quadratic function…"/>
+          <p:cNvPr id="183" name="Vertex: Minimum or maximum point of a quadratic function…"/>
           <p:cNvSpPr txBox="1"/>
           <p:nvPr>
             <p:ph type="body" sz="half" idx="1"/>
@@ -6917,7 +7227,7 @@
             </a:r>
             <a:r>
               <a:rPr b="0"/>
-              <a:t>where </a:t>
+              <a:t>which makes </a:t>
             </a:r>
             <a14:m>
               <m:oMath>
@@ -6986,7 +7296,7 @@
       </p:sp>
       <p:pic>
         <p:nvPicPr>
-          <p:cNvPr id="181" name="Image" descr="Image"/>
+          <p:cNvPr id="184" name="Image" descr="Image"/>
           <p:cNvPicPr>
             <a:picLocks noChangeAspect="1"/>
           </p:cNvPicPr>
@@ -7042,7 +7352,7 @@
       </p:grpSpPr>
       <p:sp>
         <p:nvSpPr>
-          <p:cNvPr id="183" name="Double-tap to edit"/>
+          <p:cNvPr id="186" name="Double-click to edit"/>
           <p:cNvSpPr txBox="1"/>
           <p:nvPr>
             <p:ph type="title"/>
@@ -7065,7 +7375,7 @@
       </p:sp>
       <p:pic>
         <p:nvPicPr>
-          <p:cNvPr id="184" name="IMG_0049.png" descr="IMG_0049.png"/>
+          <p:cNvPr id="187" name="IMG_0049.png" descr="IMG_0049.png"/>
           <p:cNvPicPr>
             <a:picLocks noChangeAspect="1"/>
           </p:cNvPicPr>
@@ -7121,7 +7431,7 @@
       </p:grpSpPr>
       <p:sp>
         <p:nvSpPr>
-          <p:cNvPr id="188" name="Double-tap to edit"/>
+          <p:cNvPr id="191" name="Double-click to edit"/>
           <p:cNvSpPr txBox="1"/>
           <p:nvPr>
             <p:ph type="title"/>
@@ -7144,7 +7454,7 @@
       </p:sp>
       <p:sp>
         <p:nvSpPr>
-          <p:cNvPr id="189" name="Double-tap to edit"/>
+          <p:cNvPr id="192" name="Double-click to edit"/>
           <p:cNvSpPr txBox="1"/>
           <p:nvPr>
             <p:ph type="body" idx="1"/>
@@ -7165,7 +7475,7 @@
       </p:sp>
       <p:pic>
         <p:nvPicPr>
-          <p:cNvPr id="190" name="IMG_0054.png" descr="IMG_0054.png"/>
+          <p:cNvPr id="193" name="IMG_0054.png" descr="IMG_0054.png"/>
           <p:cNvPicPr>
             <a:picLocks noChangeAspect="1"/>
           </p:cNvPicPr>
@@ -7182,8 +7492,8 @@
         </p:blipFill>
         <p:spPr>
           <a:xfrm>
-            <a:off x="400440" y="1545667"/>
-            <a:ext cx="6075341" cy="1638106"/>
+            <a:off x="400440" y="1545668"/>
+            <a:ext cx="6075341" cy="1638105"/>
           </a:xfrm>
           <a:prstGeom prst="rect">
             <a:avLst/>
@@ -7221,7 +7531,7 @@
       </p:grpSpPr>
       <p:sp>
         <p:nvSpPr>
-          <p:cNvPr id="194" name="Double-tap to edit"/>
+          <p:cNvPr id="197" name="Double-click to edit"/>
           <p:cNvSpPr txBox="1"/>
           <p:nvPr>
             <p:ph type="title"/>
@@ -7244,7 +7554,7 @@
       </p:sp>
       <p:sp>
         <p:nvSpPr>
-          <p:cNvPr id="195" name="Double-tap to edit"/>
+          <p:cNvPr id="198" name="Double-click to edit"/>
           <p:cNvSpPr txBox="1"/>
           <p:nvPr>
             <p:ph type="body" idx="1"/>
@@ -7265,7 +7575,7 @@
       </p:sp>
       <p:pic>
         <p:nvPicPr>
-          <p:cNvPr id="196" name="IMG_0052.png" descr="IMG_0052.png"/>
+          <p:cNvPr id="199" name="IMG_0052.png" descr="IMG_0052.png"/>
           <p:cNvPicPr>
             <a:picLocks noChangeAspect="1"/>
           </p:cNvPicPr>
@@ -7321,7 +7631,7 @@
       </p:grpSpPr>
       <p:sp>
         <p:nvSpPr>
-          <p:cNvPr id="200" name="d"/>
+          <p:cNvPr id="203" name="d"/>
           <p:cNvSpPr txBox="1"/>
           <p:nvPr>
             <p:ph type="title"/>
@@ -7349,7 +7659,7 @@
       </p:sp>
       <p:sp>
         <p:nvSpPr>
-          <p:cNvPr id="201" name="What did you find most challenging about making a plan for the German population problem?…"/>
+          <p:cNvPr id="204" name="What did you find most challenging about making a plan for the German population problem?…"/>
           <p:cNvSpPr txBox="1"/>
           <p:nvPr>
             <p:ph type="body" sz="half" idx="1"/>
@@ -7423,7 +7733,7 @@
       </p:sp>
       <p:sp>
         <p:nvSpPr>
-          <p:cNvPr id="202" name="Google Shape;118;p19"/>
+          <p:cNvPr id="205" name="Google Shape;118;p19"/>
           <p:cNvSpPr txBox="1"/>
           <p:nvPr/>
         </p:nvSpPr>
@@ -7543,7 +7853,7 @@
                                       <p:cBhvr>
                                         <p:cTn id="6" fill="hold"/>
                                         <p:tgtEl>
-                                          <p:spTgt spid="201">
+                                          <p:spTgt spid="204">
                                             <p:bg/>
                                           </p:spTgt>
                                         </p:tgtEl>
@@ -7571,7 +7881,7 @@
                                       <p:cBhvr>
                                         <p:cTn id="8" fill="hold"/>
                                         <p:tgtEl>
-                                          <p:spTgt spid="201">
+                                          <p:spTgt spid="204">
                                             <p:txEl>
                                               <p:pRg st="0" end="0"/>
                                             </p:txEl>
@@ -7619,7 +7929,7 @@
                                       <p:cBhvr>
                                         <p:cTn id="12" fill="hold"/>
                                         <p:tgtEl>
-                                          <p:spTgt spid="201">
+                                          <p:spTgt spid="204">
                                             <p:txEl>
                                               <p:pRg st="1" end="1"/>
                                             </p:txEl>
@@ -7664,7 +7974,7 @@
       </p:par>
     </p:tnLst>
     <p:bldLst>
-      <p:bldP build="p" bldLvl="5" animBg="1" rev="0" advAuto="0" spid="201" grpId="1"/>
+      <p:bldP build="p" bldLvl="5" animBg="1" rev="0" advAuto="0" spid="204" grpId="1"/>
     </p:bldLst>
   </p:timing>
 </p:sld>
